--- a/app동작.pptx
+++ b/app동작.pptx
@@ -269,7 +269,7 @@
           <a:p>
             <a:fld id="{61E3078C-73A5-487C-9FB2-37E6CC79EC32}" type="datetimeFigureOut">
               <a:rPr lang="ko-KR" altLang="en-US" smtClean="0"/>
-              <a:t>2022-04-14</a:t>
+              <a:t>2022-05-17</a:t>
             </a:fld>
             <a:endParaRPr lang="ko-KR" altLang="en-US"/>
           </a:p>
@@ -467,7 +467,7 @@
           <a:p>
             <a:fld id="{61E3078C-73A5-487C-9FB2-37E6CC79EC32}" type="datetimeFigureOut">
               <a:rPr lang="ko-KR" altLang="en-US" smtClean="0"/>
-              <a:t>2022-04-14</a:t>
+              <a:t>2022-05-17</a:t>
             </a:fld>
             <a:endParaRPr lang="ko-KR" altLang="en-US"/>
           </a:p>
@@ -675,7 +675,7 @@
           <a:p>
             <a:fld id="{61E3078C-73A5-487C-9FB2-37E6CC79EC32}" type="datetimeFigureOut">
               <a:rPr lang="ko-KR" altLang="en-US" smtClean="0"/>
-              <a:t>2022-04-14</a:t>
+              <a:t>2022-05-17</a:t>
             </a:fld>
             <a:endParaRPr lang="ko-KR" altLang="en-US"/>
           </a:p>
@@ -873,7 +873,7 @@
           <a:p>
             <a:fld id="{61E3078C-73A5-487C-9FB2-37E6CC79EC32}" type="datetimeFigureOut">
               <a:rPr lang="ko-KR" altLang="en-US" smtClean="0"/>
-              <a:t>2022-04-14</a:t>
+              <a:t>2022-05-17</a:t>
             </a:fld>
             <a:endParaRPr lang="ko-KR" altLang="en-US"/>
           </a:p>
@@ -1148,7 +1148,7 @@
           <a:p>
             <a:fld id="{61E3078C-73A5-487C-9FB2-37E6CC79EC32}" type="datetimeFigureOut">
               <a:rPr lang="ko-KR" altLang="en-US" smtClean="0"/>
-              <a:t>2022-04-14</a:t>
+              <a:t>2022-05-17</a:t>
             </a:fld>
             <a:endParaRPr lang="ko-KR" altLang="en-US"/>
           </a:p>
@@ -1413,7 +1413,7 @@
           <a:p>
             <a:fld id="{61E3078C-73A5-487C-9FB2-37E6CC79EC32}" type="datetimeFigureOut">
               <a:rPr lang="ko-KR" altLang="en-US" smtClean="0"/>
-              <a:t>2022-04-14</a:t>
+              <a:t>2022-05-17</a:t>
             </a:fld>
             <a:endParaRPr lang="ko-KR" altLang="en-US"/>
           </a:p>
@@ -1825,7 +1825,7 @@
           <a:p>
             <a:fld id="{61E3078C-73A5-487C-9FB2-37E6CC79EC32}" type="datetimeFigureOut">
               <a:rPr lang="ko-KR" altLang="en-US" smtClean="0"/>
-              <a:t>2022-04-14</a:t>
+              <a:t>2022-05-17</a:t>
             </a:fld>
             <a:endParaRPr lang="ko-KR" altLang="en-US"/>
           </a:p>
@@ -1966,7 +1966,7 @@
           <a:p>
             <a:fld id="{61E3078C-73A5-487C-9FB2-37E6CC79EC32}" type="datetimeFigureOut">
               <a:rPr lang="ko-KR" altLang="en-US" smtClean="0"/>
-              <a:t>2022-04-14</a:t>
+              <a:t>2022-05-17</a:t>
             </a:fld>
             <a:endParaRPr lang="ko-KR" altLang="en-US"/>
           </a:p>
@@ -2079,7 +2079,7 @@
           <a:p>
             <a:fld id="{61E3078C-73A5-487C-9FB2-37E6CC79EC32}" type="datetimeFigureOut">
               <a:rPr lang="ko-KR" altLang="en-US" smtClean="0"/>
-              <a:t>2022-04-14</a:t>
+              <a:t>2022-05-17</a:t>
             </a:fld>
             <a:endParaRPr lang="ko-KR" altLang="en-US"/>
           </a:p>
@@ -2390,7 +2390,7 @@
           <a:p>
             <a:fld id="{61E3078C-73A5-487C-9FB2-37E6CC79EC32}" type="datetimeFigureOut">
               <a:rPr lang="ko-KR" altLang="en-US" smtClean="0"/>
-              <a:t>2022-04-14</a:t>
+              <a:t>2022-05-17</a:t>
             </a:fld>
             <a:endParaRPr lang="ko-KR" altLang="en-US"/>
           </a:p>
@@ -2678,7 +2678,7 @@
           <a:p>
             <a:fld id="{61E3078C-73A5-487C-9FB2-37E6CC79EC32}" type="datetimeFigureOut">
               <a:rPr lang="ko-KR" altLang="en-US" smtClean="0"/>
-              <a:t>2022-04-14</a:t>
+              <a:t>2022-05-17</a:t>
             </a:fld>
             <a:endParaRPr lang="ko-KR" altLang="en-US"/>
           </a:p>
@@ -2919,7 +2919,7 @@
           <a:p>
             <a:fld id="{61E3078C-73A5-487C-9FB2-37E6CC79EC32}" type="datetimeFigureOut">
               <a:rPr lang="ko-KR" altLang="en-US" smtClean="0"/>
-              <a:t>2022-04-14</a:t>
+              <a:t>2022-05-17</a:t>
             </a:fld>
             <a:endParaRPr lang="ko-KR" altLang="en-US"/>
           </a:p>
@@ -5993,6 +5993,14 @@
 <file path=ppt/slides/slide3.xml><?xml version="1.0" encoding="utf-8"?>
 <p:sld xmlns:a="http://schemas.openxmlformats.org/drawingml/2006/main" xmlns:r="http://schemas.openxmlformats.org/officeDocument/2006/relationships" xmlns:p="http://schemas.openxmlformats.org/presentationml/2006/main">
   <p:cSld>
+    <p:bg>
+      <p:bgPr>
+        <a:solidFill>
+          <a:schemeClr val="bg1"/>
+        </a:solidFill>
+        <a:effectLst/>
+      </p:bgPr>
+    </p:bg>
     <p:spTree>
       <p:nvGrpSpPr>
         <p:cNvPr id="1" name=""/>
@@ -6007,6 +6015,1656 @@
           <a:chExt cx="0" cy="0"/>
         </a:xfrm>
       </p:grpSpPr>
+      <p:pic>
+        <p:nvPicPr>
+          <p:cNvPr id="8" name="그림 7">
+            <a:extLst>
+              <a:ext uri="{FF2B5EF4-FFF2-40B4-BE49-F238E27FC236}">
+                <a16:creationId xmlns:a16="http://schemas.microsoft.com/office/drawing/2014/main" id="{7562AF80-3009-40DB-F394-3CBF8CE48D9A}"/>
+              </a:ext>
+            </a:extLst>
+          </p:cNvPr>
+          <p:cNvPicPr>
+            <a:picLocks noChangeAspect="1"/>
+          </p:cNvPicPr>
+          <p:nvPr/>
+        </p:nvPicPr>
+        <p:blipFill>
+          <a:blip r:embed="rId2"/>
+          <a:stretch>
+            <a:fillRect/>
+          </a:stretch>
+        </p:blipFill>
+        <p:spPr>
+          <a:xfrm>
+            <a:off x="1380538" y="-1371600"/>
+            <a:ext cx="1189770" cy="1134000"/>
+          </a:xfrm>
+          <a:prstGeom prst="rect">
+            <a:avLst/>
+          </a:prstGeom>
+        </p:spPr>
+      </p:pic>
+      <p:pic>
+        <p:nvPicPr>
+          <p:cNvPr id="10" name="그림 9">
+            <a:extLst>
+              <a:ext uri="{FF2B5EF4-FFF2-40B4-BE49-F238E27FC236}">
+                <a16:creationId xmlns:a16="http://schemas.microsoft.com/office/drawing/2014/main" id="{70541986-E87E-2B5D-8718-E65723B7805F}"/>
+              </a:ext>
+            </a:extLst>
+          </p:cNvPr>
+          <p:cNvPicPr>
+            <a:picLocks noChangeAspect="1"/>
+          </p:cNvPicPr>
+          <p:nvPr/>
+        </p:nvPicPr>
+        <p:blipFill>
+          <a:blip r:embed="rId3"/>
+          <a:stretch>
+            <a:fillRect/>
+          </a:stretch>
+        </p:blipFill>
+        <p:spPr>
+          <a:xfrm>
+            <a:off x="-7637619" y="2749550"/>
+            <a:ext cx="1200706" cy="1134000"/>
+          </a:xfrm>
+          <a:prstGeom prst="rect">
+            <a:avLst/>
+          </a:prstGeom>
+        </p:spPr>
+      </p:pic>
+      <p:pic>
+        <p:nvPicPr>
+          <p:cNvPr id="12" name="그림 11">
+            <a:extLst>
+              <a:ext uri="{FF2B5EF4-FFF2-40B4-BE49-F238E27FC236}">
+                <a16:creationId xmlns:a16="http://schemas.microsoft.com/office/drawing/2014/main" id="{9E0837A7-97B3-19F2-4A4E-C63F94835A0A}"/>
+              </a:ext>
+            </a:extLst>
+          </p:cNvPr>
+          <p:cNvPicPr>
+            <a:picLocks noChangeAspect="1"/>
+          </p:cNvPicPr>
+          <p:nvPr/>
+        </p:nvPicPr>
+        <p:blipFill>
+          <a:blip r:embed="rId4"/>
+          <a:stretch>
+            <a:fillRect/>
+          </a:stretch>
+        </p:blipFill>
+        <p:spPr>
+          <a:xfrm>
+            <a:off x="6473046" y="0"/>
+            <a:ext cx="1199065" cy="1134000"/>
+          </a:xfrm>
+          <a:prstGeom prst="rect">
+            <a:avLst/>
+          </a:prstGeom>
+        </p:spPr>
+      </p:pic>
+      <p:pic>
+        <p:nvPicPr>
+          <p:cNvPr id="18" name="그림 17">
+            <a:extLst>
+              <a:ext uri="{FF2B5EF4-FFF2-40B4-BE49-F238E27FC236}">
+                <a16:creationId xmlns:a16="http://schemas.microsoft.com/office/drawing/2014/main" id="{6455F6A8-9066-F36B-D153-25291BA0B45F}"/>
+              </a:ext>
+            </a:extLst>
+          </p:cNvPr>
+          <p:cNvPicPr>
+            <a:picLocks noChangeAspect="1"/>
+          </p:cNvPicPr>
+          <p:nvPr/>
+        </p:nvPicPr>
+        <p:blipFill>
+          <a:blip r:embed="rId2"/>
+          <a:stretch>
+            <a:fillRect/>
+          </a:stretch>
+        </p:blipFill>
+        <p:spPr>
+          <a:xfrm>
+            <a:off x="2653665" y="-1371600"/>
+            <a:ext cx="1189770" cy="1134000"/>
+          </a:xfrm>
+          <a:prstGeom prst="rect">
+            <a:avLst/>
+          </a:prstGeom>
+        </p:spPr>
+      </p:pic>
+      <p:pic>
+        <p:nvPicPr>
+          <p:cNvPr id="19" name="그림 18">
+            <a:extLst>
+              <a:ext uri="{FF2B5EF4-FFF2-40B4-BE49-F238E27FC236}">
+                <a16:creationId xmlns:a16="http://schemas.microsoft.com/office/drawing/2014/main" id="{E32E3BCA-FCC2-68FB-C472-B04C05C7A301}"/>
+              </a:ext>
+            </a:extLst>
+          </p:cNvPr>
+          <p:cNvPicPr>
+            <a:picLocks noChangeAspect="1"/>
+          </p:cNvPicPr>
+          <p:nvPr/>
+        </p:nvPicPr>
+        <p:blipFill>
+          <a:blip r:embed="rId2"/>
+          <a:stretch>
+            <a:fillRect/>
+          </a:stretch>
+        </p:blipFill>
+        <p:spPr>
+          <a:xfrm>
+            <a:off x="5199919" y="-1371600"/>
+            <a:ext cx="1189770" cy="1134000"/>
+          </a:xfrm>
+          <a:prstGeom prst="rect">
+            <a:avLst/>
+          </a:prstGeom>
+        </p:spPr>
+      </p:pic>
+      <p:pic>
+        <p:nvPicPr>
+          <p:cNvPr id="20" name="그림 19">
+            <a:extLst>
+              <a:ext uri="{FF2B5EF4-FFF2-40B4-BE49-F238E27FC236}">
+                <a16:creationId xmlns:a16="http://schemas.microsoft.com/office/drawing/2014/main" id="{6CDC1B00-862A-6703-E9BB-D1F0DA151A8C}"/>
+              </a:ext>
+            </a:extLst>
+          </p:cNvPr>
+          <p:cNvPicPr>
+            <a:picLocks noChangeAspect="1"/>
+          </p:cNvPicPr>
+          <p:nvPr/>
+        </p:nvPicPr>
+        <p:blipFill>
+          <a:blip r:embed="rId2"/>
+          <a:stretch>
+            <a:fillRect/>
+          </a:stretch>
+        </p:blipFill>
+        <p:spPr>
+          <a:xfrm>
+            <a:off x="3926792" y="-1371600"/>
+            <a:ext cx="1189770" cy="1134000"/>
+          </a:xfrm>
+          <a:prstGeom prst="rect">
+            <a:avLst/>
+          </a:prstGeom>
+        </p:spPr>
+      </p:pic>
+      <p:pic>
+        <p:nvPicPr>
+          <p:cNvPr id="21" name="그림 20">
+            <a:extLst>
+              <a:ext uri="{FF2B5EF4-FFF2-40B4-BE49-F238E27FC236}">
+                <a16:creationId xmlns:a16="http://schemas.microsoft.com/office/drawing/2014/main" id="{36602228-3946-8BEC-5ED8-3B6A6746F39C}"/>
+              </a:ext>
+            </a:extLst>
+          </p:cNvPr>
+          <p:cNvPicPr>
+            <a:picLocks noChangeAspect="1"/>
+          </p:cNvPicPr>
+          <p:nvPr/>
+        </p:nvPicPr>
+        <p:blipFill>
+          <a:blip r:embed="rId2"/>
+          <a:stretch>
+            <a:fillRect/>
+          </a:stretch>
+        </p:blipFill>
+        <p:spPr>
+          <a:xfrm>
+            <a:off x="6473046" y="-1371600"/>
+            <a:ext cx="1189770" cy="1134000"/>
+          </a:xfrm>
+          <a:prstGeom prst="rect">
+            <a:avLst/>
+          </a:prstGeom>
+        </p:spPr>
+      </p:pic>
+      <p:pic>
+        <p:nvPicPr>
+          <p:cNvPr id="22" name="그림 21">
+            <a:extLst>
+              <a:ext uri="{FF2B5EF4-FFF2-40B4-BE49-F238E27FC236}">
+                <a16:creationId xmlns:a16="http://schemas.microsoft.com/office/drawing/2014/main" id="{693F3E73-EBEE-3D8E-B64B-987E03F3ABFD}"/>
+              </a:ext>
+            </a:extLst>
+          </p:cNvPr>
+          <p:cNvPicPr>
+            <a:picLocks noChangeAspect="1"/>
+          </p:cNvPicPr>
+          <p:nvPr/>
+        </p:nvPicPr>
+        <p:blipFill>
+          <a:blip r:embed="rId2"/>
+          <a:stretch>
+            <a:fillRect/>
+          </a:stretch>
+        </p:blipFill>
+        <p:spPr>
+          <a:xfrm>
+            <a:off x="1380538" y="0"/>
+            <a:ext cx="1189770" cy="1134000"/>
+          </a:xfrm>
+          <a:prstGeom prst="rect">
+            <a:avLst/>
+          </a:prstGeom>
+        </p:spPr>
+      </p:pic>
+      <p:pic>
+        <p:nvPicPr>
+          <p:cNvPr id="23" name="그림 22">
+            <a:extLst>
+              <a:ext uri="{FF2B5EF4-FFF2-40B4-BE49-F238E27FC236}">
+                <a16:creationId xmlns:a16="http://schemas.microsoft.com/office/drawing/2014/main" id="{F7824310-4BD0-ECE0-0C72-C56F9990F3D5}"/>
+              </a:ext>
+            </a:extLst>
+          </p:cNvPr>
+          <p:cNvPicPr>
+            <a:picLocks noChangeAspect="1"/>
+          </p:cNvPicPr>
+          <p:nvPr/>
+        </p:nvPicPr>
+        <p:blipFill>
+          <a:blip r:embed="rId2"/>
+          <a:stretch>
+            <a:fillRect/>
+          </a:stretch>
+        </p:blipFill>
+        <p:spPr>
+          <a:xfrm>
+            <a:off x="2653665" y="0"/>
+            <a:ext cx="1189770" cy="1134000"/>
+          </a:xfrm>
+          <a:prstGeom prst="rect">
+            <a:avLst/>
+          </a:prstGeom>
+        </p:spPr>
+      </p:pic>
+      <p:pic>
+        <p:nvPicPr>
+          <p:cNvPr id="24" name="그림 23">
+            <a:extLst>
+              <a:ext uri="{FF2B5EF4-FFF2-40B4-BE49-F238E27FC236}">
+                <a16:creationId xmlns:a16="http://schemas.microsoft.com/office/drawing/2014/main" id="{481BEBDA-AC06-8E17-8691-A7037D321804}"/>
+              </a:ext>
+            </a:extLst>
+          </p:cNvPr>
+          <p:cNvPicPr>
+            <a:picLocks noChangeAspect="1"/>
+          </p:cNvPicPr>
+          <p:nvPr/>
+        </p:nvPicPr>
+        <p:blipFill>
+          <a:blip r:embed="rId2"/>
+          <a:stretch>
+            <a:fillRect/>
+          </a:stretch>
+        </p:blipFill>
+        <p:spPr>
+          <a:xfrm>
+            <a:off x="5199919" y="0"/>
+            <a:ext cx="1189770" cy="1134000"/>
+          </a:xfrm>
+          <a:prstGeom prst="rect">
+            <a:avLst/>
+          </a:prstGeom>
+        </p:spPr>
+      </p:pic>
+      <p:pic>
+        <p:nvPicPr>
+          <p:cNvPr id="25" name="그림 24">
+            <a:extLst>
+              <a:ext uri="{FF2B5EF4-FFF2-40B4-BE49-F238E27FC236}">
+                <a16:creationId xmlns:a16="http://schemas.microsoft.com/office/drawing/2014/main" id="{247D47AE-4687-2840-03E1-BB167683F714}"/>
+              </a:ext>
+            </a:extLst>
+          </p:cNvPr>
+          <p:cNvPicPr>
+            <a:picLocks noChangeAspect="1"/>
+          </p:cNvPicPr>
+          <p:nvPr/>
+        </p:nvPicPr>
+        <p:blipFill>
+          <a:blip r:embed="rId2"/>
+          <a:stretch>
+            <a:fillRect/>
+          </a:stretch>
+        </p:blipFill>
+        <p:spPr>
+          <a:xfrm>
+            <a:off x="3926792" y="0"/>
+            <a:ext cx="1189770" cy="1134000"/>
+          </a:xfrm>
+          <a:prstGeom prst="rect">
+            <a:avLst/>
+          </a:prstGeom>
+        </p:spPr>
+      </p:pic>
+      <p:pic>
+        <p:nvPicPr>
+          <p:cNvPr id="26" name="그림 25">
+            <a:extLst>
+              <a:ext uri="{FF2B5EF4-FFF2-40B4-BE49-F238E27FC236}">
+                <a16:creationId xmlns:a16="http://schemas.microsoft.com/office/drawing/2014/main" id="{0904BE7B-19D4-9106-CE9E-A38797DA0952}"/>
+              </a:ext>
+            </a:extLst>
+          </p:cNvPr>
+          <p:cNvPicPr>
+            <a:picLocks noChangeAspect="1"/>
+          </p:cNvPicPr>
+          <p:nvPr/>
+        </p:nvPicPr>
+        <p:blipFill>
+          <a:blip r:embed="rId2"/>
+          <a:stretch>
+            <a:fillRect/>
+          </a:stretch>
+        </p:blipFill>
+        <p:spPr>
+          <a:xfrm>
+            <a:off x="1380538" y="1374140"/>
+            <a:ext cx="1189770" cy="1134000"/>
+          </a:xfrm>
+          <a:prstGeom prst="rect">
+            <a:avLst/>
+          </a:prstGeom>
+        </p:spPr>
+      </p:pic>
+      <p:pic>
+        <p:nvPicPr>
+          <p:cNvPr id="27" name="그림 26">
+            <a:extLst>
+              <a:ext uri="{FF2B5EF4-FFF2-40B4-BE49-F238E27FC236}">
+                <a16:creationId xmlns:a16="http://schemas.microsoft.com/office/drawing/2014/main" id="{3EFB3A42-9B49-92A1-72A2-0709341F66E1}"/>
+              </a:ext>
+            </a:extLst>
+          </p:cNvPr>
+          <p:cNvPicPr>
+            <a:picLocks noChangeAspect="1"/>
+          </p:cNvPicPr>
+          <p:nvPr/>
+        </p:nvPicPr>
+        <p:blipFill>
+          <a:blip r:embed="rId2"/>
+          <a:stretch>
+            <a:fillRect/>
+          </a:stretch>
+        </p:blipFill>
+        <p:spPr>
+          <a:xfrm>
+            <a:off x="2653665" y="1374140"/>
+            <a:ext cx="1189770" cy="1134000"/>
+          </a:xfrm>
+          <a:prstGeom prst="rect">
+            <a:avLst/>
+          </a:prstGeom>
+        </p:spPr>
+      </p:pic>
+      <p:pic>
+        <p:nvPicPr>
+          <p:cNvPr id="28" name="그림 27">
+            <a:extLst>
+              <a:ext uri="{FF2B5EF4-FFF2-40B4-BE49-F238E27FC236}">
+                <a16:creationId xmlns:a16="http://schemas.microsoft.com/office/drawing/2014/main" id="{4DB264FA-890C-FF32-E65E-5613DDC19E60}"/>
+              </a:ext>
+            </a:extLst>
+          </p:cNvPr>
+          <p:cNvPicPr>
+            <a:picLocks noChangeAspect="1"/>
+          </p:cNvPicPr>
+          <p:nvPr/>
+        </p:nvPicPr>
+        <p:blipFill>
+          <a:blip r:embed="rId2"/>
+          <a:stretch>
+            <a:fillRect/>
+          </a:stretch>
+        </p:blipFill>
+        <p:spPr>
+          <a:xfrm>
+            <a:off x="5199919" y="1374140"/>
+            <a:ext cx="1189770" cy="1134000"/>
+          </a:xfrm>
+          <a:prstGeom prst="rect">
+            <a:avLst/>
+          </a:prstGeom>
+        </p:spPr>
+      </p:pic>
+      <p:pic>
+        <p:nvPicPr>
+          <p:cNvPr id="29" name="그림 28">
+            <a:extLst>
+              <a:ext uri="{FF2B5EF4-FFF2-40B4-BE49-F238E27FC236}">
+                <a16:creationId xmlns:a16="http://schemas.microsoft.com/office/drawing/2014/main" id="{52A4B949-904B-C44E-DD21-42079DA8E72B}"/>
+              </a:ext>
+            </a:extLst>
+          </p:cNvPr>
+          <p:cNvPicPr>
+            <a:picLocks noChangeAspect="1"/>
+          </p:cNvPicPr>
+          <p:nvPr/>
+        </p:nvPicPr>
+        <p:blipFill>
+          <a:blip r:embed="rId2"/>
+          <a:stretch>
+            <a:fillRect/>
+          </a:stretch>
+        </p:blipFill>
+        <p:spPr>
+          <a:xfrm>
+            <a:off x="3926792" y="1374140"/>
+            <a:ext cx="1189770" cy="1134000"/>
+          </a:xfrm>
+          <a:prstGeom prst="rect">
+            <a:avLst/>
+          </a:prstGeom>
+        </p:spPr>
+      </p:pic>
+      <p:pic>
+        <p:nvPicPr>
+          <p:cNvPr id="30" name="그림 29">
+            <a:extLst>
+              <a:ext uri="{FF2B5EF4-FFF2-40B4-BE49-F238E27FC236}">
+                <a16:creationId xmlns:a16="http://schemas.microsoft.com/office/drawing/2014/main" id="{0B1733F1-1948-B545-F8F1-FDE5A87A9B34}"/>
+              </a:ext>
+            </a:extLst>
+          </p:cNvPr>
+          <p:cNvPicPr>
+            <a:picLocks noChangeAspect="1"/>
+          </p:cNvPicPr>
+          <p:nvPr/>
+        </p:nvPicPr>
+        <p:blipFill>
+          <a:blip r:embed="rId3"/>
+          <a:stretch>
+            <a:fillRect/>
+          </a:stretch>
+        </p:blipFill>
+        <p:spPr>
+          <a:xfrm>
+            <a:off x="6473046" y="1374140"/>
+            <a:ext cx="1200706" cy="1134000"/>
+          </a:xfrm>
+          <a:prstGeom prst="rect">
+            <a:avLst/>
+          </a:prstGeom>
+        </p:spPr>
+      </p:pic>
+      <p:pic>
+        <p:nvPicPr>
+          <p:cNvPr id="31" name="그림 30">
+            <a:extLst>
+              <a:ext uri="{FF2B5EF4-FFF2-40B4-BE49-F238E27FC236}">
+                <a16:creationId xmlns:a16="http://schemas.microsoft.com/office/drawing/2014/main" id="{622D70A1-0AE6-3A8D-3A49-1DC44FDE24C9}"/>
+              </a:ext>
+            </a:extLst>
+          </p:cNvPr>
+          <p:cNvPicPr>
+            <a:picLocks noChangeAspect="1"/>
+          </p:cNvPicPr>
+          <p:nvPr/>
+        </p:nvPicPr>
+        <p:blipFill>
+          <a:blip r:embed="rId2"/>
+          <a:stretch>
+            <a:fillRect/>
+          </a:stretch>
+        </p:blipFill>
+        <p:spPr>
+          <a:xfrm>
+            <a:off x="1380538" y="2748280"/>
+            <a:ext cx="1189770" cy="1134000"/>
+          </a:xfrm>
+          <a:prstGeom prst="rect">
+            <a:avLst/>
+          </a:prstGeom>
+        </p:spPr>
+      </p:pic>
+      <p:pic>
+        <p:nvPicPr>
+          <p:cNvPr id="32" name="그림 31">
+            <a:extLst>
+              <a:ext uri="{FF2B5EF4-FFF2-40B4-BE49-F238E27FC236}">
+                <a16:creationId xmlns:a16="http://schemas.microsoft.com/office/drawing/2014/main" id="{571C9647-D745-2AB9-FE68-9512838DC78E}"/>
+              </a:ext>
+            </a:extLst>
+          </p:cNvPr>
+          <p:cNvPicPr>
+            <a:picLocks noChangeAspect="1"/>
+          </p:cNvPicPr>
+          <p:nvPr/>
+        </p:nvPicPr>
+        <p:blipFill>
+          <a:blip r:embed="rId2"/>
+          <a:stretch>
+            <a:fillRect/>
+          </a:stretch>
+        </p:blipFill>
+        <p:spPr>
+          <a:xfrm>
+            <a:off x="2650921" y="2748280"/>
+            <a:ext cx="1189770" cy="1134000"/>
+          </a:xfrm>
+          <a:prstGeom prst="rect">
+            <a:avLst/>
+          </a:prstGeom>
+        </p:spPr>
+      </p:pic>
+      <p:pic>
+        <p:nvPicPr>
+          <p:cNvPr id="33" name="그림 32">
+            <a:extLst>
+              <a:ext uri="{FF2B5EF4-FFF2-40B4-BE49-F238E27FC236}">
+                <a16:creationId xmlns:a16="http://schemas.microsoft.com/office/drawing/2014/main" id="{D72E9AF8-2A90-DEAD-2B25-A46D20858FCD}"/>
+              </a:ext>
+            </a:extLst>
+          </p:cNvPr>
+          <p:cNvPicPr>
+            <a:picLocks noChangeAspect="1"/>
+          </p:cNvPicPr>
+          <p:nvPr/>
+        </p:nvPicPr>
+        <p:blipFill>
+          <a:blip r:embed="rId2"/>
+          <a:stretch>
+            <a:fillRect/>
+          </a:stretch>
+        </p:blipFill>
+        <p:spPr>
+          <a:xfrm>
+            <a:off x="3921304" y="2748280"/>
+            <a:ext cx="1189770" cy="1134000"/>
+          </a:xfrm>
+          <a:prstGeom prst="rect">
+            <a:avLst/>
+          </a:prstGeom>
+        </p:spPr>
+      </p:pic>
+      <p:pic>
+        <p:nvPicPr>
+          <p:cNvPr id="34" name="그림 33">
+            <a:extLst>
+              <a:ext uri="{FF2B5EF4-FFF2-40B4-BE49-F238E27FC236}">
+                <a16:creationId xmlns:a16="http://schemas.microsoft.com/office/drawing/2014/main" id="{E6E56E86-5952-0E3B-DF1B-9506059BB9D6}"/>
+              </a:ext>
+            </a:extLst>
+          </p:cNvPr>
+          <p:cNvPicPr>
+            <a:picLocks noChangeAspect="1"/>
+          </p:cNvPicPr>
+          <p:nvPr/>
+        </p:nvPicPr>
+        <p:blipFill>
+          <a:blip r:embed="rId2"/>
+          <a:stretch>
+            <a:fillRect/>
+          </a:stretch>
+        </p:blipFill>
+        <p:spPr>
+          <a:xfrm>
+            <a:off x="1380538" y="4115117"/>
+            <a:ext cx="1189770" cy="1134000"/>
+          </a:xfrm>
+          <a:prstGeom prst="rect">
+            <a:avLst/>
+          </a:prstGeom>
+        </p:spPr>
+      </p:pic>
+      <p:pic>
+        <p:nvPicPr>
+          <p:cNvPr id="35" name="그림 34">
+            <a:extLst>
+              <a:ext uri="{FF2B5EF4-FFF2-40B4-BE49-F238E27FC236}">
+                <a16:creationId xmlns:a16="http://schemas.microsoft.com/office/drawing/2014/main" id="{3BE43051-5D01-9A48-52CB-A18B0A516B43}"/>
+              </a:ext>
+            </a:extLst>
+          </p:cNvPr>
+          <p:cNvPicPr>
+            <a:picLocks noChangeAspect="1"/>
+          </p:cNvPicPr>
+          <p:nvPr/>
+        </p:nvPicPr>
+        <p:blipFill>
+          <a:blip r:embed="rId2"/>
+          <a:stretch>
+            <a:fillRect/>
+          </a:stretch>
+        </p:blipFill>
+        <p:spPr>
+          <a:xfrm>
+            <a:off x="2655561" y="4118768"/>
+            <a:ext cx="1189770" cy="1134000"/>
+          </a:xfrm>
+          <a:prstGeom prst="rect">
+            <a:avLst/>
+          </a:prstGeom>
+        </p:spPr>
+      </p:pic>
+      <p:pic>
+        <p:nvPicPr>
+          <p:cNvPr id="36" name="그림 35">
+            <a:extLst>
+              <a:ext uri="{FF2B5EF4-FFF2-40B4-BE49-F238E27FC236}">
+                <a16:creationId xmlns:a16="http://schemas.microsoft.com/office/drawing/2014/main" id="{6ADD1614-DA3B-EA29-0ADD-59C48AC6632B}"/>
+              </a:ext>
+            </a:extLst>
+          </p:cNvPr>
+          <p:cNvPicPr>
+            <a:picLocks noChangeAspect="1"/>
+          </p:cNvPicPr>
+          <p:nvPr/>
+        </p:nvPicPr>
+        <p:blipFill>
+          <a:blip r:embed="rId2"/>
+          <a:stretch>
+            <a:fillRect/>
+          </a:stretch>
+        </p:blipFill>
+        <p:spPr>
+          <a:xfrm>
+            <a:off x="3930584" y="4122420"/>
+            <a:ext cx="1189770" cy="1134000"/>
+          </a:xfrm>
+          <a:prstGeom prst="rect">
+            <a:avLst/>
+          </a:prstGeom>
+        </p:spPr>
+      </p:pic>
+      <p:pic>
+        <p:nvPicPr>
+          <p:cNvPr id="37" name="그림 36">
+            <a:extLst>
+              <a:ext uri="{FF2B5EF4-FFF2-40B4-BE49-F238E27FC236}">
+                <a16:creationId xmlns:a16="http://schemas.microsoft.com/office/drawing/2014/main" id="{71154C12-219F-B328-2834-C9A7EC38C7FC}"/>
+              </a:ext>
+            </a:extLst>
+          </p:cNvPr>
+          <p:cNvPicPr>
+            <a:picLocks noChangeAspect="1"/>
+          </p:cNvPicPr>
+          <p:nvPr/>
+        </p:nvPicPr>
+        <p:blipFill>
+          <a:blip r:embed="rId2"/>
+          <a:stretch>
+            <a:fillRect/>
+          </a:stretch>
+        </p:blipFill>
+        <p:spPr>
+          <a:xfrm>
+            <a:off x="1380538" y="5496560"/>
+            <a:ext cx="1189770" cy="1134000"/>
+          </a:xfrm>
+          <a:prstGeom prst="rect">
+            <a:avLst/>
+          </a:prstGeom>
+        </p:spPr>
+      </p:pic>
+      <p:pic>
+        <p:nvPicPr>
+          <p:cNvPr id="38" name="그림 37">
+            <a:extLst>
+              <a:ext uri="{FF2B5EF4-FFF2-40B4-BE49-F238E27FC236}">
+                <a16:creationId xmlns:a16="http://schemas.microsoft.com/office/drawing/2014/main" id="{D19773F9-0AB3-6A7D-9B7E-3AE33E69C885}"/>
+              </a:ext>
+            </a:extLst>
+          </p:cNvPr>
+          <p:cNvPicPr>
+            <a:picLocks noChangeAspect="1"/>
+          </p:cNvPicPr>
+          <p:nvPr/>
+        </p:nvPicPr>
+        <p:blipFill>
+          <a:blip r:embed="rId2"/>
+          <a:stretch>
+            <a:fillRect/>
+          </a:stretch>
+        </p:blipFill>
+        <p:spPr>
+          <a:xfrm>
+            <a:off x="2653237" y="5496719"/>
+            <a:ext cx="1189770" cy="1134000"/>
+          </a:xfrm>
+          <a:prstGeom prst="rect">
+            <a:avLst/>
+          </a:prstGeom>
+        </p:spPr>
+      </p:pic>
+      <p:pic>
+        <p:nvPicPr>
+          <p:cNvPr id="39" name="그림 38">
+            <a:extLst>
+              <a:ext uri="{FF2B5EF4-FFF2-40B4-BE49-F238E27FC236}">
+                <a16:creationId xmlns:a16="http://schemas.microsoft.com/office/drawing/2014/main" id="{2C15C991-E5EB-C1DE-923A-F58AADE998DB}"/>
+              </a:ext>
+            </a:extLst>
+          </p:cNvPr>
+          <p:cNvPicPr>
+            <a:picLocks noChangeAspect="1"/>
+          </p:cNvPicPr>
+          <p:nvPr/>
+        </p:nvPicPr>
+        <p:blipFill>
+          <a:blip r:embed="rId2"/>
+          <a:stretch>
+            <a:fillRect/>
+          </a:stretch>
+        </p:blipFill>
+        <p:spPr>
+          <a:xfrm>
+            <a:off x="-10182197" y="2750185"/>
+            <a:ext cx="1189770" cy="1134000"/>
+          </a:xfrm>
+          <a:prstGeom prst="rect">
+            <a:avLst/>
+          </a:prstGeom>
+        </p:spPr>
+      </p:pic>
+      <p:pic>
+        <p:nvPicPr>
+          <p:cNvPr id="40" name="그림 39">
+            <a:extLst>
+              <a:ext uri="{FF2B5EF4-FFF2-40B4-BE49-F238E27FC236}">
+                <a16:creationId xmlns:a16="http://schemas.microsoft.com/office/drawing/2014/main" id="{C308A6DA-76DF-0EA5-5776-D546BCABBC71}"/>
+              </a:ext>
+            </a:extLst>
+          </p:cNvPr>
+          <p:cNvPicPr>
+            <a:picLocks noChangeAspect="1"/>
+          </p:cNvPicPr>
+          <p:nvPr/>
+        </p:nvPicPr>
+        <p:blipFill>
+          <a:blip r:embed="rId2"/>
+          <a:stretch>
+            <a:fillRect/>
+          </a:stretch>
+        </p:blipFill>
+        <p:spPr>
+          <a:xfrm>
+            <a:off x="-8909908" y="2750820"/>
+            <a:ext cx="1189770" cy="1134000"/>
+          </a:xfrm>
+          <a:prstGeom prst="rect">
+            <a:avLst/>
+          </a:prstGeom>
+        </p:spPr>
+      </p:pic>
+      <p:pic>
+        <p:nvPicPr>
+          <p:cNvPr id="41" name="그림 40">
+            <a:extLst>
+              <a:ext uri="{FF2B5EF4-FFF2-40B4-BE49-F238E27FC236}">
+                <a16:creationId xmlns:a16="http://schemas.microsoft.com/office/drawing/2014/main" id="{E2E5EE97-BDAE-E809-A910-3677B1AFCEA3}"/>
+              </a:ext>
+            </a:extLst>
+          </p:cNvPr>
+          <p:cNvPicPr>
+            <a:picLocks noChangeAspect="1"/>
+          </p:cNvPicPr>
+          <p:nvPr/>
+        </p:nvPicPr>
+        <p:blipFill>
+          <a:blip r:embed="rId2"/>
+          <a:stretch>
+            <a:fillRect/>
+          </a:stretch>
+        </p:blipFill>
+        <p:spPr>
+          <a:xfrm>
+            <a:off x="-11096597" y="7241950"/>
+            <a:ext cx="1189770" cy="1134000"/>
+          </a:xfrm>
+          <a:prstGeom prst="rect">
+            <a:avLst/>
+          </a:prstGeom>
+        </p:spPr>
+      </p:pic>
+      <p:pic>
+        <p:nvPicPr>
+          <p:cNvPr id="42" name="그림 41">
+            <a:extLst>
+              <a:ext uri="{FF2B5EF4-FFF2-40B4-BE49-F238E27FC236}">
+                <a16:creationId xmlns:a16="http://schemas.microsoft.com/office/drawing/2014/main" id="{ABC98601-63C5-824B-8BEE-1961FA216CD5}"/>
+              </a:ext>
+            </a:extLst>
+          </p:cNvPr>
+          <p:cNvPicPr>
+            <a:picLocks noChangeAspect="1"/>
+          </p:cNvPicPr>
+          <p:nvPr/>
+        </p:nvPicPr>
+        <p:blipFill>
+          <a:blip r:embed="rId3"/>
+          <a:stretch>
+            <a:fillRect/>
+          </a:stretch>
+        </p:blipFill>
+        <p:spPr>
+          <a:xfrm>
+            <a:off x="6471365" y="2748280"/>
+            <a:ext cx="1200706" cy="1134000"/>
+          </a:xfrm>
+          <a:prstGeom prst="rect">
+            <a:avLst/>
+          </a:prstGeom>
+        </p:spPr>
+      </p:pic>
+      <p:pic>
+        <p:nvPicPr>
+          <p:cNvPr id="43" name="그림 42">
+            <a:extLst>
+              <a:ext uri="{FF2B5EF4-FFF2-40B4-BE49-F238E27FC236}">
+                <a16:creationId xmlns:a16="http://schemas.microsoft.com/office/drawing/2014/main" id="{66E4E883-5583-EA2B-B924-E9EC0042D110}"/>
+              </a:ext>
+            </a:extLst>
+          </p:cNvPr>
+          <p:cNvPicPr>
+            <a:picLocks noChangeAspect="1"/>
+          </p:cNvPicPr>
+          <p:nvPr/>
+        </p:nvPicPr>
+        <p:blipFill>
+          <a:blip r:embed="rId4"/>
+          <a:stretch>
+            <a:fillRect/>
+          </a:stretch>
+        </p:blipFill>
+        <p:spPr>
+          <a:xfrm>
+            <a:off x="5191687" y="2748280"/>
+            <a:ext cx="1199065" cy="1134000"/>
+          </a:xfrm>
+          <a:prstGeom prst="rect">
+            <a:avLst/>
+          </a:prstGeom>
+        </p:spPr>
+      </p:pic>
+      <p:pic>
+        <p:nvPicPr>
+          <p:cNvPr id="44" name="그림 43">
+            <a:extLst>
+              <a:ext uri="{FF2B5EF4-FFF2-40B4-BE49-F238E27FC236}">
+                <a16:creationId xmlns:a16="http://schemas.microsoft.com/office/drawing/2014/main" id="{6F81400A-801B-8FCF-0C25-829C3E04925B}"/>
+              </a:ext>
+            </a:extLst>
+          </p:cNvPr>
+          <p:cNvPicPr>
+            <a:picLocks noChangeAspect="1"/>
+          </p:cNvPicPr>
+          <p:nvPr/>
+        </p:nvPicPr>
+        <p:blipFill>
+          <a:blip r:embed="rId3"/>
+          <a:stretch>
+            <a:fillRect/>
+          </a:stretch>
+        </p:blipFill>
+        <p:spPr>
+          <a:xfrm>
+            <a:off x="5205607" y="4107815"/>
+            <a:ext cx="1200706" cy="1134000"/>
+          </a:xfrm>
+          <a:prstGeom prst="rect">
+            <a:avLst/>
+          </a:prstGeom>
+        </p:spPr>
+      </p:pic>
+      <p:pic>
+        <p:nvPicPr>
+          <p:cNvPr id="45" name="그림 44">
+            <a:extLst>
+              <a:ext uri="{FF2B5EF4-FFF2-40B4-BE49-F238E27FC236}">
+                <a16:creationId xmlns:a16="http://schemas.microsoft.com/office/drawing/2014/main" id="{168B6D88-EF59-9283-B600-A002F39B07BB}"/>
+              </a:ext>
+            </a:extLst>
+          </p:cNvPr>
+          <p:cNvPicPr>
+            <a:picLocks noChangeAspect="1"/>
+          </p:cNvPicPr>
+          <p:nvPr/>
+        </p:nvPicPr>
+        <p:blipFill>
+          <a:blip r:embed="rId3"/>
+          <a:stretch>
+            <a:fillRect/>
+          </a:stretch>
+        </p:blipFill>
+        <p:spPr>
+          <a:xfrm>
+            <a:off x="6491566" y="4111466"/>
+            <a:ext cx="1200706" cy="1134000"/>
+          </a:xfrm>
+          <a:prstGeom prst="rect">
+            <a:avLst/>
+          </a:prstGeom>
+        </p:spPr>
+      </p:pic>
+      <p:pic>
+        <p:nvPicPr>
+          <p:cNvPr id="46" name="그림 45">
+            <a:extLst>
+              <a:ext uri="{FF2B5EF4-FFF2-40B4-BE49-F238E27FC236}">
+                <a16:creationId xmlns:a16="http://schemas.microsoft.com/office/drawing/2014/main" id="{8A464EFB-DDB1-B2CA-C696-C0686A78D780}"/>
+              </a:ext>
+            </a:extLst>
+          </p:cNvPr>
+          <p:cNvPicPr>
+            <a:picLocks noChangeAspect="1"/>
+          </p:cNvPicPr>
+          <p:nvPr/>
+        </p:nvPicPr>
+        <p:blipFill>
+          <a:blip r:embed="rId4"/>
+          <a:stretch>
+            <a:fillRect/>
+          </a:stretch>
+        </p:blipFill>
+        <p:spPr>
+          <a:xfrm>
+            <a:off x="3925936" y="5497195"/>
+            <a:ext cx="1199065" cy="1134000"/>
+          </a:xfrm>
+          <a:prstGeom prst="rect">
+            <a:avLst/>
+          </a:prstGeom>
+        </p:spPr>
+      </p:pic>
+      <p:pic>
+        <p:nvPicPr>
+          <p:cNvPr id="47" name="그림 46">
+            <a:extLst>
+              <a:ext uri="{FF2B5EF4-FFF2-40B4-BE49-F238E27FC236}">
+                <a16:creationId xmlns:a16="http://schemas.microsoft.com/office/drawing/2014/main" id="{871E9E73-5EE1-89B6-0ABB-B330F57F1574}"/>
+              </a:ext>
+            </a:extLst>
+          </p:cNvPr>
+          <p:cNvPicPr>
+            <a:picLocks noChangeAspect="1"/>
+          </p:cNvPicPr>
+          <p:nvPr/>
+        </p:nvPicPr>
+        <p:blipFill>
+          <a:blip r:embed="rId3"/>
+          <a:stretch>
+            <a:fillRect/>
+          </a:stretch>
+        </p:blipFill>
+        <p:spPr>
+          <a:xfrm>
+            <a:off x="5207930" y="5496878"/>
+            <a:ext cx="1200706" cy="1134000"/>
+          </a:xfrm>
+          <a:prstGeom prst="rect">
+            <a:avLst/>
+          </a:prstGeom>
+        </p:spPr>
+      </p:pic>
+      <p:pic>
+        <p:nvPicPr>
+          <p:cNvPr id="48" name="그림 47">
+            <a:extLst>
+              <a:ext uri="{FF2B5EF4-FFF2-40B4-BE49-F238E27FC236}">
+                <a16:creationId xmlns:a16="http://schemas.microsoft.com/office/drawing/2014/main" id="{DD7DC0ED-79D5-E30F-5A54-3509D022F3FC}"/>
+              </a:ext>
+            </a:extLst>
+          </p:cNvPr>
+          <p:cNvPicPr>
+            <a:picLocks noChangeAspect="1"/>
+          </p:cNvPicPr>
+          <p:nvPr/>
+        </p:nvPicPr>
+        <p:blipFill>
+          <a:blip r:embed="rId3"/>
+          <a:stretch>
+            <a:fillRect/>
+          </a:stretch>
+        </p:blipFill>
+        <p:spPr>
+          <a:xfrm>
+            <a:off x="6491566" y="5497037"/>
+            <a:ext cx="1200706" cy="1134000"/>
+          </a:xfrm>
+          <a:prstGeom prst="rect">
+            <a:avLst/>
+          </a:prstGeom>
+        </p:spPr>
+      </p:pic>
+      <p:pic>
+        <p:nvPicPr>
+          <p:cNvPr id="49" name="그림 48">
+            <a:extLst>
+              <a:ext uri="{FF2B5EF4-FFF2-40B4-BE49-F238E27FC236}">
+                <a16:creationId xmlns:a16="http://schemas.microsoft.com/office/drawing/2014/main" id="{C4F87637-321F-2735-45FE-5A8F05F72E2B}"/>
+              </a:ext>
+            </a:extLst>
+          </p:cNvPr>
+          <p:cNvPicPr>
+            <a:picLocks noChangeAspect="1"/>
+          </p:cNvPicPr>
+          <p:nvPr/>
+        </p:nvPicPr>
+        <p:blipFill>
+          <a:blip r:embed="rId3"/>
+          <a:stretch>
+            <a:fillRect/>
+          </a:stretch>
+        </p:blipFill>
+        <p:spPr>
+          <a:xfrm>
+            <a:off x="-6354394" y="2748280"/>
+            <a:ext cx="1200706" cy="1134000"/>
+          </a:xfrm>
+          <a:prstGeom prst="rect">
+            <a:avLst/>
+          </a:prstGeom>
+        </p:spPr>
+      </p:pic>
+      <p:pic>
+        <p:nvPicPr>
+          <p:cNvPr id="50" name="그림 49">
+            <a:extLst>
+              <a:ext uri="{FF2B5EF4-FFF2-40B4-BE49-F238E27FC236}">
+                <a16:creationId xmlns:a16="http://schemas.microsoft.com/office/drawing/2014/main" id="{A50B69CF-85DF-A8B0-380A-3D822674D311}"/>
+              </a:ext>
+            </a:extLst>
+          </p:cNvPr>
+          <p:cNvPicPr>
+            <a:picLocks noChangeAspect="1"/>
+          </p:cNvPicPr>
+          <p:nvPr/>
+        </p:nvPicPr>
+        <p:blipFill>
+          <a:blip r:embed="rId3"/>
+          <a:stretch>
+            <a:fillRect/>
+          </a:stretch>
+        </p:blipFill>
+        <p:spPr>
+          <a:xfrm>
+            <a:off x="-5071169" y="2748915"/>
+            <a:ext cx="1200706" cy="1134000"/>
+          </a:xfrm>
+          <a:prstGeom prst="rect">
+            <a:avLst/>
+          </a:prstGeom>
+        </p:spPr>
+      </p:pic>
+      <p:pic>
+        <p:nvPicPr>
+          <p:cNvPr id="51" name="그림 50">
+            <a:extLst>
+              <a:ext uri="{FF2B5EF4-FFF2-40B4-BE49-F238E27FC236}">
+                <a16:creationId xmlns:a16="http://schemas.microsoft.com/office/drawing/2014/main" id="{17DDA57E-13AF-7569-9FB8-63BC5442B042}"/>
+              </a:ext>
+            </a:extLst>
+          </p:cNvPr>
+          <p:cNvPicPr>
+            <a:picLocks noChangeAspect="1"/>
+          </p:cNvPicPr>
+          <p:nvPr/>
+        </p:nvPicPr>
+        <p:blipFill>
+          <a:blip r:embed="rId4"/>
+          <a:stretch>
+            <a:fillRect/>
+          </a:stretch>
+        </p:blipFill>
+        <p:spPr>
+          <a:xfrm>
+            <a:off x="12471325" y="9206027"/>
+            <a:ext cx="1199065" cy="1134000"/>
+          </a:xfrm>
+          <a:prstGeom prst="rect">
+            <a:avLst/>
+          </a:prstGeom>
+        </p:spPr>
+      </p:pic>
+      <p:pic>
+        <p:nvPicPr>
+          <p:cNvPr id="52" name="그림 51">
+            <a:extLst>
+              <a:ext uri="{FF2B5EF4-FFF2-40B4-BE49-F238E27FC236}">
+                <a16:creationId xmlns:a16="http://schemas.microsoft.com/office/drawing/2014/main" id="{8303E727-CE67-AB83-FBA6-12278E9DE435}"/>
+              </a:ext>
+            </a:extLst>
+          </p:cNvPr>
+          <p:cNvPicPr>
+            <a:picLocks noChangeAspect="1"/>
+          </p:cNvPicPr>
+          <p:nvPr/>
+        </p:nvPicPr>
+        <p:blipFill>
+          <a:blip r:embed="rId3"/>
+          <a:stretch>
+            <a:fillRect/>
+          </a:stretch>
+        </p:blipFill>
+        <p:spPr>
+          <a:xfrm>
+            <a:off x="1369332" y="12376931"/>
+            <a:ext cx="1200706" cy="1134000"/>
+          </a:xfrm>
+          <a:prstGeom prst="rect">
+            <a:avLst/>
+          </a:prstGeom>
+        </p:spPr>
+      </p:pic>
+      <p:pic>
+        <p:nvPicPr>
+          <p:cNvPr id="53" name="그림 52">
+            <a:extLst>
+              <a:ext uri="{FF2B5EF4-FFF2-40B4-BE49-F238E27FC236}">
+                <a16:creationId xmlns:a16="http://schemas.microsoft.com/office/drawing/2014/main" id="{49815E61-2E02-18E1-183F-F5F6E258BE5D}"/>
+              </a:ext>
+            </a:extLst>
+          </p:cNvPr>
+          <p:cNvPicPr>
+            <a:picLocks noChangeAspect="1"/>
+          </p:cNvPicPr>
+          <p:nvPr/>
+        </p:nvPicPr>
+        <p:blipFill>
+          <a:blip r:embed="rId3"/>
+          <a:stretch>
+            <a:fillRect/>
+          </a:stretch>
+        </p:blipFill>
+        <p:spPr>
+          <a:xfrm>
+            <a:off x="-8547372" y="7244807"/>
+            <a:ext cx="1200706" cy="1134000"/>
+          </a:xfrm>
+          <a:prstGeom prst="rect">
+            <a:avLst/>
+          </a:prstGeom>
+        </p:spPr>
+      </p:pic>
+      <p:pic>
+        <p:nvPicPr>
+          <p:cNvPr id="54" name="그림 53">
+            <a:extLst>
+              <a:ext uri="{FF2B5EF4-FFF2-40B4-BE49-F238E27FC236}">
+                <a16:creationId xmlns:a16="http://schemas.microsoft.com/office/drawing/2014/main" id="{BD3B8A27-9AEE-3448-A8CF-BFABAD52DF6B}"/>
+              </a:ext>
+            </a:extLst>
+          </p:cNvPr>
+          <p:cNvPicPr>
+            <a:picLocks noChangeAspect="1"/>
+          </p:cNvPicPr>
+          <p:nvPr/>
+        </p:nvPicPr>
+        <p:blipFill>
+          <a:blip r:embed="rId3"/>
+          <a:stretch>
+            <a:fillRect/>
+          </a:stretch>
+        </p:blipFill>
+        <p:spPr>
+          <a:xfrm>
+            <a:off x="-7266471" y="7242902"/>
+            <a:ext cx="1200706" cy="1134000"/>
+          </a:xfrm>
+          <a:prstGeom prst="rect">
+            <a:avLst/>
+          </a:prstGeom>
+        </p:spPr>
+      </p:pic>
+      <p:pic>
+        <p:nvPicPr>
+          <p:cNvPr id="55" name="그림 54">
+            <a:extLst>
+              <a:ext uri="{FF2B5EF4-FFF2-40B4-BE49-F238E27FC236}">
+                <a16:creationId xmlns:a16="http://schemas.microsoft.com/office/drawing/2014/main" id="{6A3D029A-FB46-E5EB-D9B8-C3DE48F7E6EA}"/>
+              </a:ext>
+            </a:extLst>
+          </p:cNvPr>
+          <p:cNvPicPr>
+            <a:picLocks noChangeAspect="1"/>
+          </p:cNvPicPr>
+          <p:nvPr/>
+        </p:nvPicPr>
+        <p:blipFill>
+          <a:blip r:embed="rId3"/>
+          <a:stretch>
+            <a:fillRect/>
+          </a:stretch>
+        </p:blipFill>
+        <p:spPr>
+          <a:xfrm>
+            <a:off x="-5985569" y="7243855"/>
+            <a:ext cx="1200706" cy="1134000"/>
+          </a:xfrm>
+          <a:prstGeom prst="rect">
+            <a:avLst/>
+          </a:prstGeom>
+        </p:spPr>
+      </p:pic>
+      <p:pic>
+        <p:nvPicPr>
+          <p:cNvPr id="57" name="그림 56">
+            <a:extLst>
+              <a:ext uri="{FF2B5EF4-FFF2-40B4-BE49-F238E27FC236}">
+                <a16:creationId xmlns:a16="http://schemas.microsoft.com/office/drawing/2014/main" id="{CAA9104E-53CF-4012-D206-59FEE4988234}"/>
+              </a:ext>
+            </a:extLst>
+          </p:cNvPr>
+          <p:cNvPicPr>
+            <a:picLocks noChangeAspect="1"/>
+          </p:cNvPicPr>
+          <p:nvPr/>
+        </p:nvPicPr>
+        <p:blipFill>
+          <a:blip r:embed="rId3"/>
+          <a:stretch>
+            <a:fillRect/>
+          </a:stretch>
+        </p:blipFill>
+        <p:spPr>
+          <a:xfrm>
+            <a:off x="15000548" y="9213647"/>
+            <a:ext cx="1200706" cy="1134000"/>
+          </a:xfrm>
+          <a:prstGeom prst="rect">
+            <a:avLst/>
+          </a:prstGeom>
+        </p:spPr>
+      </p:pic>
+      <p:pic>
+        <p:nvPicPr>
+          <p:cNvPr id="58" name="그림 57">
+            <a:extLst>
+              <a:ext uri="{FF2B5EF4-FFF2-40B4-BE49-F238E27FC236}">
+                <a16:creationId xmlns:a16="http://schemas.microsoft.com/office/drawing/2014/main" id="{C34CC1F6-361F-23DF-1E2B-4632DF7610CA}"/>
+              </a:ext>
+            </a:extLst>
+          </p:cNvPr>
+          <p:cNvPicPr>
+            <a:picLocks noChangeAspect="1"/>
+          </p:cNvPicPr>
+          <p:nvPr/>
+        </p:nvPicPr>
+        <p:blipFill>
+          <a:blip r:embed="rId3"/>
+          <a:stretch>
+            <a:fillRect/>
+          </a:stretch>
+        </p:blipFill>
+        <p:spPr>
+          <a:xfrm>
+            <a:off x="16265980" y="9208567"/>
+            <a:ext cx="1200706" cy="1134000"/>
+          </a:xfrm>
+          <a:prstGeom prst="rect">
+            <a:avLst/>
+          </a:prstGeom>
+        </p:spPr>
+      </p:pic>
+      <p:pic>
+        <p:nvPicPr>
+          <p:cNvPr id="59" name="그림 58">
+            <a:extLst>
+              <a:ext uri="{FF2B5EF4-FFF2-40B4-BE49-F238E27FC236}">
+                <a16:creationId xmlns:a16="http://schemas.microsoft.com/office/drawing/2014/main" id="{DF16D52A-82C4-25E2-1B2B-3DFBA1F09574}"/>
+              </a:ext>
+            </a:extLst>
+          </p:cNvPr>
+          <p:cNvPicPr>
+            <a:picLocks noChangeAspect="1"/>
+          </p:cNvPicPr>
+          <p:nvPr/>
+        </p:nvPicPr>
+        <p:blipFill>
+          <a:blip r:embed="rId3"/>
+          <a:stretch>
+            <a:fillRect/>
+          </a:stretch>
+        </p:blipFill>
+        <p:spPr>
+          <a:xfrm>
+            <a:off x="17531411" y="9211107"/>
+            <a:ext cx="1200706" cy="1134000"/>
+          </a:xfrm>
+          <a:prstGeom prst="rect">
+            <a:avLst/>
+          </a:prstGeom>
+        </p:spPr>
+      </p:pic>
+      <p:pic>
+        <p:nvPicPr>
+          <p:cNvPr id="60" name="그림 59">
+            <a:extLst>
+              <a:ext uri="{FF2B5EF4-FFF2-40B4-BE49-F238E27FC236}">
+                <a16:creationId xmlns:a16="http://schemas.microsoft.com/office/drawing/2014/main" id="{40EDCA9E-0E15-81DC-B090-4A2A10D83AD8}"/>
+              </a:ext>
+            </a:extLst>
+          </p:cNvPr>
+          <p:cNvPicPr>
+            <a:picLocks noChangeAspect="1"/>
+          </p:cNvPicPr>
+          <p:nvPr/>
+        </p:nvPicPr>
+        <p:blipFill>
+          <a:blip r:embed="rId3"/>
+          <a:stretch>
+            <a:fillRect/>
+          </a:stretch>
+        </p:blipFill>
+        <p:spPr>
+          <a:xfrm>
+            <a:off x="3904978" y="12383916"/>
+            <a:ext cx="1200706" cy="1134000"/>
+          </a:xfrm>
+          <a:prstGeom prst="rect">
+            <a:avLst/>
+          </a:prstGeom>
+        </p:spPr>
+      </p:pic>
+      <p:pic>
+        <p:nvPicPr>
+          <p:cNvPr id="61" name="그림 60">
+            <a:extLst>
+              <a:ext uri="{FF2B5EF4-FFF2-40B4-BE49-F238E27FC236}">
+                <a16:creationId xmlns:a16="http://schemas.microsoft.com/office/drawing/2014/main" id="{4646130D-3243-8FC5-8D6F-BBCC4DFC0444}"/>
+              </a:ext>
+            </a:extLst>
+          </p:cNvPr>
+          <p:cNvPicPr>
+            <a:picLocks noChangeAspect="1"/>
+          </p:cNvPicPr>
+          <p:nvPr/>
+        </p:nvPicPr>
+        <p:blipFill>
+          <a:blip r:embed="rId3"/>
+          <a:stretch>
+            <a:fillRect/>
+          </a:stretch>
+        </p:blipFill>
+        <p:spPr>
+          <a:xfrm>
+            <a:off x="5172801" y="12380423"/>
+            <a:ext cx="1200706" cy="1134000"/>
+          </a:xfrm>
+          <a:prstGeom prst="rect">
+            <a:avLst/>
+          </a:prstGeom>
+        </p:spPr>
+      </p:pic>
+      <p:pic>
+        <p:nvPicPr>
+          <p:cNvPr id="62" name="그림 61">
+            <a:extLst>
+              <a:ext uri="{FF2B5EF4-FFF2-40B4-BE49-F238E27FC236}">
+                <a16:creationId xmlns:a16="http://schemas.microsoft.com/office/drawing/2014/main" id="{AB7BC2CD-CAD8-0257-4A8F-F78C0B99E451}"/>
+              </a:ext>
+            </a:extLst>
+          </p:cNvPr>
+          <p:cNvPicPr>
+            <a:picLocks noChangeAspect="1"/>
+          </p:cNvPicPr>
+          <p:nvPr/>
+        </p:nvPicPr>
+        <p:blipFill>
+          <a:blip r:embed="rId3"/>
+          <a:stretch>
+            <a:fillRect/>
+          </a:stretch>
+        </p:blipFill>
+        <p:spPr>
+          <a:xfrm>
+            <a:off x="6440624" y="12382169"/>
+            <a:ext cx="1200706" cy="1134000"/>
+          </a:xfrm>
+          <a:prstGeom prst="rect">
+            <a:avLst/>
+          </a:prstGeom>
+        </p:spPr>
+      </p:pic>
+      <p:pic>
+        <p:nvPicPr>
+          <p:cNvPr id="63" name="그림 62">
+            <a:extLst>
+              <a:ext uri="{FF2B5EF4-FFF2-40B4-BE49-F238E27FC236}">
+                <a16:creationId xmlns:a16="http://schemas.microsoft.com/office/drawing/2014/main" id="{EFAA1EC8-17AB-4CAF-7B2B-2D661D0C1639}"/>
+              </a:ext>
+            </a:extLst>
+          </p:cNvPr>
+          <p:cNvPicPr>
+            <a:picLocks noChangeAspect="1"/>
+          </p:cNvPicPr>
+          <p:nvPr/>
+        </p:nvPicPr>
+        <p:blipFill>
+          <a:blip r:embed="rId3"/>
+          <a:stretch>
+            <a:fillRect/>
+          </a:stretch>
+        </p:blipFill>
+        <p:spPr>
+          <a:xfrm>
+            <a:off x="2637155" y="12378677"/>
+            <a:ext cx="1200706" cy="1134000"/>
+          </a:xfrm>
+          <a:prstGeom prst="rect">
+            <a:avLst/>
+          </a:prstGeom>
+        </p:spPr>
+      </p:pic>
+      <p:pic>
+        <p:nvPicPr>
+          <p:cNvPr id="64" name="그림 63">
+            <a:extLst>
+              <a:ext uri="{FF2B5EF4-FFF2-40B4-BE49-F238E27FC236}">
+                <a16:creationId xmlns:a16="http://schemas.microsoft.com/office/drawing/2014/main" id="{D46F8E9A-3A92-BB96-130E-0F2D08E7F382}"/>
+              </a:ext>
+            </a:extLst>
+          </p:cNvPr>
+          <p:cNvPicPr>
+            <a:picLocks noChangeAspect="1"/>
+          </p:cNvPicPr>
+          <p:nvPr/>
+        </p:nvPicPr>
+        <p:blipFill>
+          <a:blip r:embed="rId3"/>
+          <a:stretch>
+            <a:fillRect/>
+          </a:stretch>
+        </p:blipFill>
+        <p:spPr>
+          <a:xfrm>
+            <a:off x="13735116" y="9203487"/>
+            <a:ext cx="1200706" cy="1134000"/>
+          </a:xfrm>
+          <a:prstGeom prst="rect">
+            <a:avLst/>
+          </a:prstGeom>
+        </p:spPr>
+      </p:pic>
+      <p:pic>
+        <p:nvPicPr>
+          <p:cNvPr id="65" name="그림 64">
+            <a:extLst>
+              <a:ext uri="{FF2B5EF4-FFF2-40B4-BE49-F238E27FC236}">
+                <a16:creationId xmlns:a16="http://schemas.microsoft.com/office/drawing/2014/main" id="{1EC37929-3D5B-E1C4-3352-CF16E9251670}"/>
+              </a:ext>
+            </a:extLst>
+          </p:cNvPr>
+          <p:cNvPicPr>
+            <a:picLocks noChangeAspect="1"/>
+          </p:cNvPicPr>
+          <p:nvPr/>
+        </p:nvPicPr>
+        <p:blipFill>
+          <a:blip r:embed="rId4"/>
+          <a:stretch>
+            <a:fillRect/>
+          </a:stretch>
+        </p:blipFill>
+        <p:spPr>
+          <a:xfrm>
+            <a:off x="-9826632" y="7245760"/>
+            <a:ext cx="1199065" cy="1134000"/>
+          </a:xfrm>
+          <a:prstGeom prst="rect">
+            <a:avLst/>
+          </a:prstGeom>
+        </p:spPr>
+      </p:pic>
+      <p:pic>
+        <p:nvPicPr>
+          <p:cNvPr id="66" name="그림 65">
+            <a:extLst>
+              <a:ext uri="{FF2B5EF4-FFF2-40B4-BE49-F238E27FC236}">
+                <a16:creationId xmlns:a16="http://schemas.microsoft.com/office/drawing/2014/main" id="{08D14B8C-C3AC-3C91-33F0-92433379450C}"/>
+              </a:ext>
+            </a:extLst>
+          </p:cNvPr>
+          <p:cNvPicPr>
+            <a:picLocks noChangeAspect="1"/>
+          </p:cNvPicPr>
+          <p:nvPr/>
+        </p:nvPicPr>
+        <p:blipFill>
+          <a:blip r:embed="rId2"/>
+          <a:stretch>
+            <a:fillRect/>
+          </a:stretch>
+        </p:blipFill>
+        <p:spPr>
+          <a:xfrm>
+            <a:off x="-561468" y="8373091"/>
+            <a:ext cx="1189770" cy="1134000"/>
+          </a:xfrm>
+          <a:prstGeom prst="rect">
+            <a:avLst/>
+          </a:prstGeom>
+        </p:spPr>
+      </p:pic>
+      <p:pic>
+        <p:nvPicPr>
+          <p:cNvPr id="67" name="그림 66">
+            <a:extLst>
+              <a:ext uri="{FF2B5EF4-FFF2-40B4-BE49-F238E27FC236}">
+                <a16:creationId xmlns:a16="http://schemas.microsoft.com/office/drawing/2014/main" id="{E4B24B2C-5087-3E34-72A6-FF8FE4E0C72A}"/>
+              </a:ext>
+            </a:extLst>
+          </p:cNvPr>
+          <p:cNvPicPr>
+            <a:picLocks noChangeAspect="1"/>
+          </p:cNvPicPr>
+          <p:nvPr/>
+        </p:nvPicPr>
+        <p:blipFill>
+          <a:blip r:embed="rId3"/>
+          <a:stretch>
+            <a:fillRect/>
+          </a:stretch>
+        </p:blipFill>
+        <p:spPr>
+          <a:xfrm>
+            <a:off x="1988578" y="8376901"/>
+            <a:ext cx="1200706" cy="1134000"/>
+          </a:xfrm>
+          <a:prstGeom prst="rect">
+            <a:avLst/>
+          </a:prstGeom>
+        </p:spPr>
+      </p:pic>
+      <p:pic>
+        <p:nvPicPr>
+          <p:cNvPr id="68" name="그림 67">
+            <a:extLst>
+              <a:ext uri="{FF2B5EF4-FFF2-40B4-BE49-F238E27FC236}">
+                <a16:creationId xmlns:a16="http://schemas.microsoft.com/office/drawing/2014/main" id="{1833F2FD-BE1A-D7DD-6C29-AB005D8CFE31}"/>
+              </a:ext>
+            </a:extLst>
+          </p:cNvPr>
+          <p:cNvPicPr>
+            <a:picLocks noChangeAspect="1"/>
+          </p:cNvPicPr>
+          <p:nvPr/>
+        </p:nvPicPr>
+        <p:blipFill>
+          <a:blip r:embed="rId3"/>
+          <a:stretch>
+            <a:fillRect/>
+          </a:stretch>
+        </p:blipFill>
+        <p:spPr>
+          <a:xfrm>
+            <a:off x="3269069" y="8374997"/>
+            <a:ext cx="1200706" cy="1134000"/>
+          </a:xfrm>
+          <a:prstGeom prst="rect">
+            <a:avLst/>
+          </a:prstGeom>
+        </p:spPr>
+      </p:pic>
+      <p:pic>
+        <p:nvPicPr>
+          <p:cNvPr id="69" name="그림 68">
+            <a:extLst>
+              <a:ext uri="{FF2B5EF4-FFF2-40B4-BE49-F238E27FC236}">
+                <a16:creationId xmlns:a16="http://schemas.microsoft.com/office/drawing/2014/main" id="{8EFECBA4-DED3-C5B4-B973-5E3EB936ABEE}"/>
+              </a:ext>
+            </a:extLst>
+          </p:cNvPr>
+          <p:cNvPicPr>
+            <a:picLocks noChangeAspect="1"/>
+          </p:cNvPicPr>
+          <p:nvPr/>
+        </p:nvPicPr>
+        <p:blipFill>
+          <a:blip r:embed="rId3"/>
+          <a:stretch>
+            <a:fillRect/>
+          </a:stretch>
+        </p:blipFill>
+        <p:spPr>
+          <a:xfrm>
+            <a:off x="4549560" y="8375950"/>
+            <a:ext cx="1200706" cy="1134000"/>
+          </a:xfrm>
+          <a:prstGeom prst="rect">
+            <a:avLst/>
+          </a:prstGeom>
+        </p:spPr>
+      </p:pic>
+      <p:pic>
+        <p:nvPicPr>
+          <p:cNvPr id="71" name="그림 70">
+            <a:extLst>
+              <a:ext uri="{FF2B5EF4-FFF2-40B4-BE49-F238E27FC236}">
+                <a16:creationId xmlns:a16="http://schemas.microsoft.com/office/drawing/2014/main" id="{55AE3573-E48D-5DC6-5370-A68333E5D847}"/>
+              </a:ext>
+            </a:extLst>
+          </p:cNvPr>
+          <p:cNvPicPr>
+            <a:picLocks noChangeAspect="1"/>
+          </p:cNvPicPr>
+          <p:nvPr/>
+        </p:nvPicPr>
+        <p:blipFill>
+          <a:blip r:embed="rId3"/>
+          <a:stretch>
+            <a:fillRect/>
+          </a:stretch>
+        </p:blipFill>
+        <p:spPr>
+          <a:xfrm>
+            <a:off x="708087" y="8374044"/>
+            <a:ext cx="1200706" cy="1134000"/>
+          </a:xfrm>
+          <a:prstGeom prst="rect">
+            <a:avLst/>
+          </a:prstGeom>
+        </p:spPr>
+      </p:pic>
     </p:spTree>
     <p:extLst>
       <p:ext uri="{BB962C8B-B14F-4D97-AF65-F5344CB8AC3E}">
